--- a/PROJECT MANAGER.pptx
+++ b/PROJECT MANAGER.pptx
@@ -259,7 +259,7 @@
           <a:p>
             <a:fld id="{535BC185-4764-41F2-BBD6-9B41F19C456F}" type="datetimeFigureOut">
               <a:rPr lang="en-US" smtClean="0"/>
-              <a:t>19-10-2019</a:t>
+              <a:t>10/19/2019</a:t>
             </a:fld>
             <a:endParaRPr lang="en-US"/>
           </a:p>
@@ -457,7 +457,7 @@
           <a:p>
             <a:fld id="{535BC185-4764-41F2-BBD6-9B41F19C456F}" type="datetimeFigureOut">
               <a:rPr lang="en-US" smtClean="0"/>
-              <a:t>19-10-2019</a:t>
+              <a:t>10/19/2019</a:t>
             </a:fld>
             <a:endParaRPr lang="en-US"/>
           </a:p>
@@ -665,7 +665,7 @@
           <a:p>
             <a:fld id="{535BC185-4764-41F2-BBD6-9B41F19C456F}" type="datetimeFigureOut">
               <a:rPr lang="en-US" smtClean="0"/>
-              <a:t>19-10-2019</a:t>
+              <a:t>10/19/2019</a:t>
             </a:fld>
             <a:endParaRPr lang="en-US"/>
           </a:p>
@@ -863,7 +863,7 @@
           <a:p>
             <a:fld id="{535BC185-4764-41F2-BBD6-9B41F19C456F}" type="datetimeFigureOut">
               <a:rPr lang="en-US" smtClean="0"/>
-              <a:t>19-10-2019</a:t>
+              <a:t>10/19/2019</a:t>
             </a:fld>
             <a:endParaRPr lang="en-US"/>
           </a:p>
@@ -1138,7 +1138,7 @@
           <a:p>
             <a:fld id="{535BC185-4764-41F2-BBD6-9B41F19C456F}" type="datetimeFigureOut">
               <a:rPr lang="en-US" smtClean="0"/>
-              <a:t>19-10-2019</a:t>
+              <a:t>10/19/2019</a:t>
             </a:fld>
             <a:endParaRPr lang="en-US"/>
           </a:p>
@@ -1403,7 +1403,7 @@
           <a:p>
             <a:fld id="{535BC185-4764-41F2-BBD6-9B41F19C456F}" type="datetimeFigureOut">
               <a:rPr lang="en-US" smtClean="0"/>
-              <a:t>19-10-2019</a:t>
+              <a:t>10/19/2019</a:t>
             </a:fld>
             <a:endParaRPr lang="en-US"/>
           </a:p>
@@ -1815,7 +1815,7 @@
           <a:p>
             <a:fld id="{535BC185-4764-41F2-BBD6-9B41F19C456F}" type="datetimeFigureOut">
               <a:rPr lang="en-US" smtClean="0"/>
-              <a:t>19-10-2019</a:t>
+              <a:t>10/19/2019</a:t>
             </a:fld>
             <a:endParaRPr lang="en-US"/>
           </a:p>
@@ -1956,7 +1956,7 @@
           <a:p>
             <a:fld id="{535BC185-4764-41F2-BBD6-9B41F19C456F}" type="datetimeFigureOut">
               <a:rPr lang="en-US" smtClean="0"/>
-              <a:t>19-10-2019</a:t>
+              <a:t>10/19/2019</a:t>
             </a:fld>
             <a:endParaRPr lang="en-US"/>
           </a:p>
@@ -2069,7 +2069,7 @@
           <a:p>
             <a:fld id="{535BC185-4764-41F2-BBD6-9B41F19C456F}" type="datetimeFigureOut">
               <a:rPr lang="en-US" smtClean="0"/>
-              <a:t>19-10-2019</a:t>
+              <a:t>10/19/2019</a:t>
             </a:fld>
             <a:endParaRPr lang="en-US"/>
           </a:p>
@@ -2380,7 +2380,7 @@
           <a:p>
             <a:fld id="{535BC185-4764-41F2-BBD6-9B41F19C456F}" type="datetimeFigureOut">
               <a:rPr lang="en-US" smtClean="0"/>
-              <a:t>19-10-2019</a:t>
+              <a:t>10/19/2019</a:t>
             </a:fld>
             <a:endParaRPr lang="en-US"/>
           </a:p>
@@ -2668,7 +2668,7 @@
           <a:p>
             <a:fld id="{535BC185-4764-41F2-BBD6-9B41F19C456F}" type="datetimeFigureOut">
               <a:rPr lang="en-US" smtClean="0"/>
-              <a:t>19-10-2019</a:t>
+              <a:t>10/19/2019</a:t>
             </a:fld>
             <a:endParaRPr lang="en-US"/>
           </a:p>
@@ -2909,7 +2909,7 @@
           <a:p>
             <a:fld id="{535BC185-4764-41F2-BBD6-9B41F19C456F}" type="datetimeFigureOut">
               <a:rPr lang="en-US" smtClean="0"/>
-              <a:t>19-10-2019</a:t>
+              <a:t>10/19/2019</a:t>
             </a:fld>
             <a:endParaRPr lang="en-US"/>
           </a:p>
@@ -3378,7 +3378,7 @@
         </p:spPr>
         <p:txBody>
           <a:bodyPr>
-            <a:normAutofit lnSpcReduction="10000"/>
+            <a:normAutofit fontScale="85000" lnSpcReduction="20000"/>
           </a:bodyPr>
           <a:lstStyle/>
           <a:p>
@@ -3470,6 +3470,13 @@
             <a:r>
               <a:rPr lang="en-US" dirty="0" err="1"/>
               <a:t>Hiệp</a:t>
+            </a:r>
+            <a:endParaRPr lang="en-US" dirty="0"/>
+          </a:p>
+          <a:p>
+            <a:r>
+              <a:rPr lang="en-US"/>
+              <a:t>fuck</a:t>
             </a:r>
             <a:endParaRPr lang="en-US" dirty="0"/>
           </a:p>
